--- a/ppt/IoT14-ArduinoAdvanced.pptx
+++ b/ppt/IoT14-ArduinoAdvanced.pptx
@@ -5,14 +5,15 @@
     <p:sldMasterId id="2147483653" r:id="rId1"/>
   </p:sldMasterIdLst>
   <p:notesMasterIdLst>
-    <p:notesMasterId r:id="rId4"/>
+    <p:notesMasterId r:id="rId5"/>
   </p:notesMasterIdLst>
   <p:handoutMasterIdLst>
-    <p:handoutMasterId r:id="rId5"/>
+    <p:handoutMasterId r:id="rId6"/>
   </p:handoutMasterIdLst>
   <p:sldIdLst>
     <p:sldId id="264" r:id="rId2"/>
-    <p:sldId id="265" r:id="rId3"/>
+    <p:sldId id="266" r:id="rId3"/>
+    <p:sldId id="265" r:id="rId4"/>
   </p:sldIdLst>
   <p:sldSz cx="9144000" cy="6858000" type="screen4x3"/>
   <p:notesSz cx="6648450" cy="9782175"/>
@@ -3714,6 +3715,251 @@
 </file>
 
 <file path=ppt/slides/slide2.xml><?xml version="1.0" encoding="utf-8"?>
+<p:sld xmlns:a="http://schemas.openxmlformats.org/drawingml/2006/main" xmlns:r="http://schemas.openxmlformats.org/officeDocument/2006/relationships" xmlns:p="http://schemas.openxmlformats.org/presentationml/2006/main">
+  <p:cSld>
+    <p:spTree>
+      <p:nvGrpSpPr>
+        <p:cNvPr id="1" name=""/>
+        <p:cNvGrpSpPr/>
+        <p:nvPr/>
+      </p:nvGrpSpPr>
+      <p:grpSpPr>
+        <a:xfrm>
+          <a:off x="0" y="0"/>
+          <a:ext cx="0" cy="0"/>
+          <a:chOff x="0" y="0"/>
+          <a:chExt cx="0" cy="0"/>
+        </a:xfrm>
+      </p:grpSpPr>
+      <p:sp>
+        <p:nvSpPr>
+          <p:cNvPr id="2" name="Titre 1"/>
+          <p:cNvSpPr>
+            <a:spLocks noGrp="1"/>
+          </p:cNvSpPr>
+          <p:nvPr>
+            <p:ph type="title"/>
+          </p:nvPr>
+        </p:nvSpPr>
+        <p:spPr/>
+        <p:txBody>
+          <a:bodyPr/>
+          <a:lstStyle/>
+          <a:p>
+            <a:r>
+              <a:rPr lang="fr-FR" dirty="0"/>
+              <a:t>Ethernet</a:t>
+            </a:r>
+          </a:p>
+        </p:txBody>
+      </p:sp>
+      <p:sp>
+        <p:nvSpPr>
+          <p:cNvPr id="3" name="Espace réservé du contenu 2"/>
+          <p:cNvSpPr>
+            <a:spLocks noGrp="1"/>
+          </p:cNvSpPr>
+          <p:nvPr>
+            <p:ph idx="1"/>
+          </p:nvPr>
+        </p:nvSpPr>
+        <p:spPr/>
+        <p:txBody>
+          <a:bodyPr/>
+          <a:lstStyle/>
+          <a:p>
+            <a:r>
+              <a:rPr lang="fr-FR" dirty="0"/>
+              <a:t>La liaison Ethernet ne fonctionne que sous </a:t>
+            </a:r>
+            <a:r>
+              <a:rPr lang="fr-FR" dirty="0" err="1"/>
+              <a:t>Raspberry</a:t>
+            </a:r>
+            <a:r>
+              <a:rPr lang="fr-FR" dirty="0"/>
+              <a:t> Pi &gt;= 1</a:t>
+            </a:r>
+          </a:p>
+          <a:p>
+            <a:r>
+              <a:rPr lang="fr-FR" dirty="0"/>
+              <a:t>Nécessite une infrastructure IP</a:t>
+            </a:r>
+          </a:p>
+          <a:p>
+            <a:pPr lvl="1"/>
+            <a:r>
+              <a:rPr lang="fr-FR" dirty="0"/>
+              <a:t>Routeur</a:t>
+            </a:r>
+          </a:p>
+          <a:p>
+            <a:r>
+              <a:rPr lang="fr-FR" dirty="0"/>
+              <a:t>Communication possible alors via </a:t>
+            </a:r>
+            <a:r>
+              <a:rPr lang="fr-FR" dirty="0" err="1"/>
+              <a:t>Flask</a:t>
+            </a:r>
+            <a:endParaRPr lang="fr-FR" dirty="0"/>
+          </a:p>
+          <a:p>
+            <a:r>
+              <a:rPr lang="fr-FR" dirty="0"/>
+              <a:t>Sous </a:t>
+            </a:r>
+            <a:r>
+              <a:rPr lang="fr-FR" dirty="0" err="1"/>
+              <a:t>Arduino</a:t>
+            </a:r>
+            <a:r>
+              <a:rPr lang="fr-FR" dirty="0"/>
+              <a:t> un </a:t>
+            </a:r>
+            <a:r>
+              <a:rPr lang="fr-FR" dirty="0" err="1"/>
+              <a:t>Shield</a:t>
+            </a:r>
+            <a:r>
+              <a:rPr lang="fr-FR" dirty="0"/>
+              <a:t> est nécessaire ainsi que la librairie Ethernet</a:t>
+            </a:r>
+          </a:p>
+          <a:p>
+            <a:pPr lvl="1"/>
+            <a:r>
+              <a:rPr lang="fr-FR" dirty="0"/>
+              <a:t>Assez complexe</a:t>
+            </a:r>
+          </a:p>
+          <a:p>
+            <a:endParaRPr lang="fr-FR" dirty="0"/>
+          </a:p>
+          <a:p>
+            <a:endParaRPr lang="fr-FR" dirty="0"/>
+          </a:p>
+        </p:txBody>
+      </p:sp>
+      <p:sp>
+        <p:nvSpPr>
+          <p:cNvPr id="4" name="Rectangle 2"/>
+          <p:cNvSpPr>
+            <a:spLocks noChangeArrowheads="1"/>
+          </p:cNvSpPr>
+          <p:nvPr/>
+        </p:nvSpPr>
+        <p:spPr bwMode="auto">
+          <a:xfrm>
+            <a:off x="0" y="0"/>
+            <a:ext cx="9144000" cy="0"/>
+          </a:xfrm>
+          <a:prstGeom prst="rect">
+            <a:avLst/>
+          </a:prstGeom>
+          <a:noFill/>
+          <a:ln>
+            <a:noFill/>
+          </a:ln>
+          <a:effectLst/>
+          <a:extLst>
+            <a:ext uri="{909E8E84-426E-40DD-AFC4-6F175D3DCCD1}">
+              <a14:hiddenFill xmlns:a14="http://schemas.microsoft.com/office/drawing/2010/main">
+                <a:solidFill>
+                  <a:schemeClr val="accent1"/>
+                </a:solidFill>
+              </a14:hiddenFill>
+            </a:ext>
+            <a:ext uri="{91240B29-F687-4F45-9708-019B960494DF}">
+              <a14:hiddenLine xmlns:a14="http://schemas.microsoft.com/office/drawing/2010/main" w="9525">
+                <a:solidFill>
+                  <a:schemeClr val="tx1"/>
+                </a:solidFill>
+                <a:miter lim="800000"/>
+                <a:headEnd/>
+                <a:tailEnd/>
+              </a14:hiddenLine>
+            </a:ext>
+            <a:ext uri="{AF507438-7753-43E0-B8FC-AC1667EBCBE1}">
+              <a14:hiddenEffects xmlns:a14="http://schemas.microsoft.com/office/drawing/2010/main">
+                <a:effectLst>
+                  <a:outerShdw dist="35921" dir="2700000" algn="ctr" rotWithShape="0">
+                    <a:schemeClr val="bg2"/>
+                  </a:outerShdw>
+                </a:effectLst>
+              </a14:hiddenEffects>
+            </a:ext>
+          </a:extLst>
+        </p:spPr>
+        <p:txBody>
+          <a:bodyPr vert="horz" wrap="none" lIns="91440" tIns="45720" rIns="91440" bIns="45720" numCol="1" anchor="ctr" anchorCtr="0" compatLnSpc="1">
+            <a:prstTxWarp prst="textNoShape">
+              <a:avLst/>
+            </a:prstTxWarp>
+            <a:spAutoFit/>
+          </a:bodyPr>
+          <a:lstStyle/>
+          <a:p>
+            <a:endParaRPr lang="fr-FR"/>
+          </a:p>
+        </p:txBody>
+      </p:sp>
+      <p:pic>
+        <p:nvPicPr>
+          <p:cNvPr id="1041" name="Picture 17" descr="Résultat de recherche d'images pour &quot;arduino ethernet&quot;"/>
+          <p:cNvPicPr>
+            <a:picLocks noChangeAspect="1" noChangeArrowheads="1"/>
+          </p:cNvPicPr>
+          <p:nvPr/>
+        </p:nvPicPr>
+        <p:blipFill>
+          <a:blip r:embed="rId2">
+            <a:extLst>
+              <a:ext uri="{28A0092B-C50C-407E-A947-70E740481C1C}">
+                <a14:useLocalDpi xmlns:a14="http://schemas.microsoft.com/office/drawing/2010/main" val="0"/>
+              </a:ext>
+            </a:extLst>
+          </a:blip>
+          <a:srcRect/>
+          <a:stretch>
+            <a:fillRect/>
+          </a:stretch>
+        </p:blipFill>
+        <p:spPr bwMode="auto">
+          <a:xfrm>
+            <a:off x="6386742" y="4365104"/>
+            <a:ext cx="2760241" cy="2760241"/>
+          </a:xfrm>
+          <a:prstGeom prst="rect">
+            <a:avLst/>
+          </a:prstGeom>
+          <a:noFill/>
+          <a:extLst>
+            <a:ext uri="{909E8E84-426E-40DD-AFC4-6F175D3DCCD1}">
+              <a14:hiddenFill xmlns:a14="http://schemas.microsoft.com/office/drawing/2010/main">
+                <a:solidFill>
+                  <a:srgbClr val="FFFFFF"/>
+                </a:solidFill>
+              </a14:hiddenFill>
+            </a:ext>
+          </a:extLst>
+        </p:spPr>
+      </p:pic>
+    </p:spTree>
+    <p:extLst>
+      <p:ext uri="{BB962C8B-B14F-4D97-AF65-F5344CB8AC3E}">
+        <p14:creationId xmlns:p14="http://schemas.microsoft.com/office/powerpoint/2010/main" val="3953937335"/>
+      </p:ext>
+    </p:extLst>
+  </p:cSld>
+  <p:clrMapOvr>
+    <a:masterClrMapping/>
+  </p:clrMapOvr>
+</p:sld>
+</file>
+
+<file path=ppt/slides/slide3.xml><?xml version="1.0" encoding="utf-8"?>
 <p:sld xmlns:a="http://schemas.openxmlformats.org/drawingml/2006/main" xmlns:r="http://schemas.openxmlformats.org/officeDocument/2006/relationships" xmlns:p="http://schemas.openxmlformats.org/presentationml/2006/main">
   <p:cSld>
     <p:spTree>

--- a/ppt/IoT14-ArduinoAdvanced.pptx
+++ b/ppt/IoT14-ArduinoAdvanced.pptx
@@ -5,15 +5,18 @@
     <p:sldMasterId id="2147483653" r:id="rId1"/>
   </p:sldMasterIdLst>
   <p:notesMasterIdLst>
-    <p:notesMasterId r:id="rId5"/>
+    <p:notesMasterId r:id="rId8"/>
   </p:notesMasterIdLst>
   <p:handoutMasterIdLst>
-    <p:handoutMasterId r:id="rId6"/>
+    <p:handoutMasterId r:id="rId9"/>
   </p:handoutMasterIdLst>
   <p:sldIdLst>
     <p:sldId id="264" r:id="rId2"/>
-    <p:sldId id="266" r:id="rId3"/>
-    <p:sldId id="265" r:id="rId4"/>
+    <p:sldId id="311" r:id="rId3"/>
+    <p:sldId id="312" r:id="rId4"/>
+    <p:sldId id="310" r:id="rId5"/>
+    <p:sldId id="309" r:id="rId6"/>
+    <p:sldId id="313" r:id="rId7"/>
   </p:sldIdLst>
   <p:sldSz cx="9144000" cy="6858000" type="screen4x3"/>
   <p:notesSz cx="6648450" cy="9782175"/>
@@ -3733,7 +3736,13 @@
       </p:grpSpPr>
       <p:sp>
         <p:nvSpPr>
-          <p:cNvPr id="2" name="Titre 1"/>
+          <p:cNvPr id="2" name="Titre 1">
+            <a:extLst>
+              <a:ext uri="{FF2B5EF4-FFF2-40B4-BE49-F238E27FC236}">
+                <a16:creationId xmlns:a16="http://schemas.microsoft.com/office/drawing/2014/main" id="{3346CC45-1A66-7AB0-971B-AC033DF17F02}"/>
+              </a:ext>
+            </a:extLst>
+          </p:cNvPr>
           <p:cNvSpPr>
             <a:spLocks noGrp="1"/>
           </p:cNvSpPr>
@@ -3748,14 +3757,20 @@
           <a:p>
             <a:r>
               <a:rPr lang="fr-FR" dirty="0"/>
-              <a:t>Ethernet</a:t>
+              <a:t>Limites d'intensité</a:t>
             </a:r>
           </a:p>
         </p:txBody>
       </p:sp>
       <p:sp>
         <p:nvSpPr>
-          <p:cNvPr id="3" name="Espace réservé du contenu 2"/>
+          <p:cNvPr id="3" name="Espace réservé du contenu 2">
+            <a:extLst>
+              <a:ext uri="{FF2B5EF4-FFF2-40B4-BE49-F238E27FC236}">
+                <a16:creationId xmlns:a16="http://schemas.microsoft.com/office/drawing/2014/main" id="{4ECD1B4A-9843-A548-161A-2C94B171FA8D}"/>
+              </a:ext>
+            </a:extLst>
+          </p:cNvPr>
           <p:cNvSpPr>
             <a:spLocks noGrp="1"/>
           </p:cNvSpPr>
@@ -3770,186 +3785,68 @@
           <a:p>
             <a:r>
               <a:rPr lang="fr-FR" dirty="0"/>
-              <a:t>La liaison Ethernet ne fonctionne que sous </a:t>
+              <a:t>Les microcontrôleurs sont limités en puissance</a:t>
+            </a:r>
+          </a:p>
+          <a:p>
+            <a:pPr lvl="1"/>
+            <a:r>
+              <a:rPr lang="fr-FR" dirty="0"/>
+              <a:t>USB limité à 500mA en 5V soit 2.5W</a:t>
+            </a:r>
+          </a:p>
+          <a:p>
+            <a:pPr lvl="1"/>
+            <a:r>
+              <a:rPr lang="fr-FR" dirty="0"/>
+              <a:t>dont 200mA pour tous les pins</a:t>
+            </a:r>
+          </a:p>
+          <a:p>
+            <a:pPr lvl="1"/>
+            <a:r>
+              <a:rPr lang="fr-FR" dirty="0"/>
+              <a:t>Alimentation VIN limité à 1A en 5V soit 5W</a:t>
+            </a:r>
+          </a:p>
+          <a:p>
+            <a:pPr lvl="1"/>
+            <a:r>
+              <a:rPr lang="fr-FR" dirty="0"/>
+              <a:t>dont 500mA pour tous les pins</a:t>
+            </a:r>
+          </a:p>
+          <a:p>
+            <a:pPr lvl="1"/>
+            <a:r>
+              <a:rPr lang="fr-FR" dirty="0"/>
+              <a:t>Chaque pin est limité à 20mA</a:t>
+            </a:r>
+          </a:p>
+          <a:p>
+            <a:r>
+              <a:rPr lang="fr-FR" dirty="0"/>
+              <a:t>Pour alimenter plus que les </a:t>
             </a:r>
             <a:r>
               <a:rPr lang="fr-FR" dirty="0" err="1"/>
-              <a:t>Raspberry</a:t>
+              <a:t>limittes</a:t>
             </a:r>
             <a:r>
               <a:rPr lang="fr-FR" dirty="0"/>
-              <a:t> Pi &gt;= 1</a:t>
-            </a:r>
-          </a:p>
-          <a:p>
-            <a:r>
-              <a:rPr lang="fr-FR" dirty="0"/>
-              <a:t>Nécessite une infrastructure IP</a:t>
+              <a:t> il faut un relais de puissance par transistor NPN</a:t>
             </a:r>
           </a:p>
           <a:p>
             <a:pPr lvl="1"/>
-            <a:r>
-              <a:rPr lang="fr-FR" dirty="0"/>
-              <a:t>Routeur</a:t>
-            </a:r>
-          </a:p>
-          <a:p>
-            <a:r>
-              <a:rPr lang="fr-FR" dirty="0"/>
-              <a:t>Communication possible alors via </a:t>
-            </a:r>
-            <a:r>
-              <a:rPr lang="fr-FR" dirty="0" err="1"/>
-              <a:t>Flask</a:t>
-            </a:r>
-            <a:endParaRPr lang="fr-FR" dirty="0"/>
-          </a:p>
-          <a:p>
-            <a:r>
-              <a:rPr lang="fr-FR" dirty="0"/>
-              <a:t>Sous </a:t>
-            </a:r>
-            <a:r>
-              <a:rPr lang="fr-FR" dirty="0" err="1"/>
-              <a:t>Arduino</a:t>
-            </a:r>
-            <a:r>
-              <a:rPr lang="fr-FR" dirty="0"/>
-              <a:t> un </a:t>
-            </a:r>
-            <a:r>
-              <a:rPr lang="fr-FR" dirty="0" err="1"/>
-              <a:t>Shield</a:t>
-            </a:r>
-            <a:r>
-              <a:rPr lang="fr-FR" dirty="0"/>
-              <a:t> est nécessaire ainsi que la librairie Ethernet</a:t>
-            </a:r>
-          </a:p>
-          <a:p>
-            <a:pPr lvl="1"/>
-            <a:r>
-              <a:rPr lang="fr-FR" dirty="0"/>
-              <a:t>Assez complexe</a:t>
-            </a:r>
-          </a:p>
-          <a:p>
-            <a:endParaRPr lang="fr-FR" dirty="0"/>
-          </a:p>
-          <a:p>
             <a:endParaRPr lang="fr-FR" dirty="0"/>
           </a:p>
         </p:txBody>
       </p:sp>
-      <p:sp>
-        <p:nvSpPr>
-          <p:cNvPr id="4" name="Rectangle 2"/>
-          <p:cNvSpPr>
-            <a:spLocks noChangeArrowheads="1"/>
-          </p:cNvSpPr>
-          <p:nvPr/>
-        </p:nvSpPr>
-        <p:spPr bwMode="auto">
-          <a:xfrm>
-            <a:off x="0" y="0"/>
-            <a:ext cx="9144000" cy="0"/>
-          </a:xfrm>
-          <a:prstGeom prst="rect">
-            <a:avLst/>
-          </a:prstGeom>
-          <a:noFill/>
-          <a:ln>
-            <a:noFill/>
-          </a:ln>
-          <a:effectLst/>
-          <a:extLst>
-            <a:ext uri="{909E8E84-426E-40DD-AFC4-6F175D3DCCD1}">
-              <a14:hiddenFill xmlns:a14="http://schemas.microsoft.com/office/drawing/2010/main">
-                <a:solidFill>
-                  <a:schemeClr val="accent1"/>
-                </a:solidFill>
-              </a14:hiddenFill>
-            </a:ext>
-            <a:ext uri="{91240B29-F687-4F45-9708-019B960494DF}">
-              <a14:hiddenLine xmlns:a14="http://schemas.microsoft.com/office/drawing/2010/main" w="9525">
-                <a:solidFill>
-                  <a:schemeClr val="tx1"/>
-                </a:solidFill>
-                <a:miter lim="800000"/>
-                <a:headEnd/>
-                <a:tailEnd/>
-              </a14:hiddenLine>
-            </a:ext>
-            <a:ext uri="{AF507438-7753-43E0-B8FC-AC1667EBCBE1}">
-              <a14:hiddenEffects xmlns:a14="http://schemas.microsoft.com/office/drawing/2010/main">
-                <a:effectLst>
-                  <a:outerShdw dist="35921" dir="2700000" algn="ctr" rotWithShape="0">
-                    <a:schemeClr val="bg2"/>
-                  </a:outerShdw>
-                </a:effectLst>
-              </a14:hiddenEffects>
-            </a:ext>
-          </a:extLst>
-        </p:spPr>
-        <p:txBody>
-          <a:bodyPr vert="horz" wrap="none" lIns="91440" tIns="45720" rIns="91440" bIns="45720" numCol="1" anchor="ctr" anchorCtr="0" compatLnSpc="1">
-            <a:prstTxWarp prst="textNoShape">
-              <a:avLst/>
-            </a:prstTxWarp>
-            <a:spAutoFit/>
-          </a:bodyPr>
-          <a:lstStyle/>
-          <a:p>
-            <a:endParaRPr lang="fr-FR"/>
-          </a:p>
-        </p:txBody>
-      </p:sp>
-      <p:pic>
-        <p:nvPicPr>
-          <p:cNvPr id="1041" name="Picture 17" descr="Résultat de recherche d'images pour &quot;arduino ethernet&quot;"/>
-          <p:cNvPicPr>
-            <a:picLocks noChangeAspect="1" noChangeArrowheads="1"/>
-          </p:cNvPicPr>
-          <p:nvPr/>
-        </p:nvPicPr>
-        <p:blipFill>
-          <a:blip r:embed="rId2">
-            <a:extLst>
-              <a:ext uri="{28A0092B-C50C-407E-A947-70E740481C1C}">
-                <a14:useLocalDpi xmlns:a14="http://schemas.microsoft.com/office/drawing/2010/main" val="0"/>
-              </a:ext>
-            </a:extLst>
-          </a:blip>
-          <a:srcRect/>
-          <a:stretch>
-            <a:fillRect/>
-          </a:stretch>
-        </p:blipFill>
-        <p:spPr bwMode="auto">
-          <a:xfrm>
-            <a:off x="6386742" y="4365104"/>
-            <a:ext cx="2760241" cy="2760241"/>
-          </a:xfrm>
-          <a:prstGeom prst="rect">
-            <a:avLst/>
-          </a:prstGeom>
-          <a:noFill/>
-          <a:extLst>
-            <a:ext uri="{909E8E84-426E-40DD-AFC4-6F175D3DCCD1}">
-              <a14:hiddenFill xmlns:a14="http://schemas.microsoft.com/office/drawing/2010/main">
-                <a:solidFill>
-                  <a:srgbClr val="FFFFFF"/>
-                </a:solidFill>
-              </a14:hiddenFill>
-            </a:ext>
-          </a:extLst>
-        </p:spPr>
-      </p:pic>
     </p:spTree>
     <p:extLst>
       <p:ext uri="{BB962C8B-B14F-4D97-AF65-F5344CB8AC3E}">
-        <p14:creationId xmlns:p14="http://schemas.microsoft.com/office/powerpoint/2010/main" val="3953937335"/>
+        <p14:creationId xmlns:p14="http://schemas.microsoft.com/office/powerpoint/2010/main" val="3819151637"/>
       </p:ext>
     </p:extLst>
   </p:cSld>
@@ -3978,7 +3875,13 @@
       </p:grpSpPr>
       <p:sp>
         <p:nvSpPr>
-          <p:cNvPr id="2" name="Titre 1"/>
+          <p:cNvPr id="2" name="Titre 1">
+            <a:extLst>
+              <a:ext uri="{FF2B5EF4-FFF2-40B4-BE49-F238E27FC236}">
+                <a16:creationId xmlns:a16="http://schemas.microsoft.com/office/drawing/2014/main" id="{37CDFAC0-7DF8-2614-7074-C8FD59D245D5}"/>
+              </a:ext>
+            </a:extLst>
+          </p:cNvPr>
           <p:cNvSpPr>
             <a:spLocks noGrp="1"/>
           </p:cNvSpPr>
@@ -3992,19 +3895,21 @@
           <a:lstStyle/>
           <a:p>
             <a:r>
-              <a:rPr lang="fr-FR" dirty="0" err="1"/>
-              <a:t>Arduino</a:t>
-            </a:r>
-            <a:r>
               <a:rPr lang="fr-FR" dirty="0"/>
-              <a:t> Avancé</a:t>
+              <a:t>Basse tension</a:t>
             </a:r>
           </a:p>
         </p:txBody>
       </p:sp>
       <p:sp>
         <p:nvSpPr>
-          <p:cNvPr id="3" name="Espace réservé du contenu 2"/>
+          <p:cNvPr id="3" name="Espace réservé du contenu 2">
+            <a:extLst>
+              <a:ext uri="{FF2B5EF4-FFF2-40B4-BE49-F238E27FC236}">
+                <a16:creationId xmlns:a16="http://schemas.microsoft.com/office/drawing/2014/main" id="{0B84D8E4-12CB-8A3D-F5F7-25EF8D86EE8A}"/>
+              </a:ext>
+            </a:extLst>
+          </p:cNvPr>
           <p:cNvSpPr>
             <a:spLocks noGrp="1"/>
           </p:cNvSpPr>
@@ -4019,44 +3924,614 @@
           <a:p>
             <a:r>
               <a:rPr lang="fr-FR" dirty="0"/>
-              <a:t>Le problème des modules supérieurs à 5v </a:t>
-            </a:r>
-            <a:r>
-              <a:rPr lang="fr-FR"/>
-              <a:t>et 0.7A</a:t>
-            </a:r>
+              <a:t>Pour la basse tension et des intensités &gt; 0.2A</a:t>
+            </a:r>
+          </a:p>
+          <a:p>
+            <a:r>
+              <a:rPr lang="fr-FR" dirty="0"/>
+              <a:t>Utiliser des transistor NPN avec une alimentation VIN</a:t>
+            </a:r>
+          </a:p>
+          <a:p>
+            <a:endParaRPr lang="fr-FR" dirty="0"/>
+          </a:p>
+          <a:p>
+            <a:endParaRPr lang="fr-FR" dirty="0"/>
+          </a:p>
+          <a:p>
+            <a:endParaRPr lang="fr-FR" dirty="0"/>
+          </a:p>
+          <a:p>
+            <a:endParaRPr lang="fr-FR" dirty="0"/>
+          </a:p>
+          <a:p>
+            <a:endParaRPr lang="fr-FR" dirty="0"/>
           </a:p>
           <a:p>
             <a:pPr lvl="1"/>
             <a:r>
-              <a:rPr lang="fr-FR"/>
-              <a:t>le </a:t>
-            </a:r>
-            <a:r>
               <a:rPr lang="fr-FR" dirty="0"/>
-              <a:t>relais de puissance</a:t>
-            </a:r>
-          </a:p>
-          <a:p>
-            <a:r>
-              <a:rPr lang="fr-FR" dirty="0"/>
-              <a:t>Programmation orientée objet C++ et </a:t>
-            </a:r>
-            <a:r>
-              <a:rPr lang="fr-FR" dirty="0" err="1"/>
-              <a:t>Arduino</a:t>
-            </a:r>
-            <a:endParaRPr lang="fr-FR" dirty="0"/>
-          </a:p>
-          <a:p>
-            <a:endParaRPr lang="fr-FR" dirty="0"/>
+              <a:t>Pour des puissances &gt; 2.5W ne pas utiliser VIN mais une alimentation externe</a:t>
+            </a:r>
           </a:p>
         </p:txBody>
       </p:sp>
+      <p:pic>
+        <p:nvPicPr>
+          <p:cNvPr id="5" name="Image 4">
+            <a:extLst>
+              <a:ext uri="{FF2B5EF4-FFF2-40B4-BE49-F238E27FC236}">
+                <a16:creationId xmlns:a16="http://schemas.microsoft.com/office/drawing/2014/main" id="{2FA3B3AC-09F4-2151-7598-0628409CD8FF}"/>
+              </a:ext>
+            </a:extLst>
+          </p:cNvPr>
+          <p:cNvPicPr>
+            <a:picLocks noChangeAspect="1"/>
+          </p:cNvPicPr>
+          <p:nvPr/>
+        </p:nvPicPr>
+        <p:blipFill>
+          <a:blip r:embed="rId2"/>
+          <a:stretch>
+            <a:fillRect/>
+          </a:stretch>
+        </p:blipFill>
+        <p:spPr>
+          <a:xfrm>
+            <a:off x="3995936" y="2708920"/>
+            <a:ext cx="2943636" cy="2600688"/>
+          </a:xfrm>
+          <a:prstGeom prst="rect">
+            <a:avLst/>
+          </a:prstGeom>
+        </p:spPr>
+      </p:pic>
     </p:spTree>
     <p:extLst>
       <p:ext uri="{BB962C8B-B14F-4D97-AF65-F5344CB8AC3E}">
-        <p14:creationId xmlns:p14="http://schemas.microsoft.com/office/powerpoint/2010/main" val="802374497"/>
+        <p14:creationId xmlns:p14="http://schemas.microsoft.com/office/powerpoint/2010/main" val="1440306612"/>
+      </p:ext>
+    </p:extLst>
+  </p:cSld>
+  <p:clrMapOvr>
+    <a:masterClrMapping/>
+  </p:clrMapOvr>
+</p:sld>
+</file>
+
+<file path=ppt/slides/slide4.xml><?xml version="1.0" encoding="utf-8"?>
+<p:sld xmlns:a="http://schemas.openxmlformats.org/drawingml/2006/main" xmlns:r="http://schemas.openxmlformats.org/officeDocument/2006/relationships" xmlns:p="http://schemas.openxmlformats.org/presentationml/2006/main">
+  <p:cSld>
+    <p:spTree>
+      <p:nvGrpSpPr>
+        <p:cNvPr id="1" name=""/>
+        <p:cNvGrpSpPr/>
+        <p:nvPr/>
+      </p:nvGrpSpPr>
+      <p:grpSpPr>
+        <a:xfrm>
+          <a:off x="0" y="0"/>
+          <a:ext cx="0" cy="0"/>
+          <a:chOff x="0" y="0"/>
+          <a:chExt cx="0" cy="0"/>
+        </a:xfrm>
+      </p:grpSpPr>
+      <p:sp>
+        <p:nvSpPr>
+          <p:cNvPr id="2" name="Titre 1">
+            <a:extLst>
+              <a:ext uri="{FF2B5EF4-FFF2-40B4-BE49-F238E27FC236}">
+                <a16:creationId xmlns:a16="http://schemas.microsoft.com/office/drawing/2014/main" id="{277B39C7-26DD-8EF2-D4BE-5FD5834FFDBE}"/>
+              </a:ext>
+            </a:extLst>
+          </p:cNvPr>
+          <p:cNvSpPr>
+            <a:spLocks noGrp="1"/>
+          </p:cNvSpPr>
+          <p:nvPr>
+            <p:ph type="title"/>
+          </p:nvPr>
+        </p:nvSpPr>
+        <p:spPr/>
+        <p:txBody>
+          <a:bodyPr/>
+          <a:lstStyle/>
+          <a:p>
+            <a:r>
+              <a:rPr lang="fr-FR" dirty="0"/>
+              <a:t>ULN</a:t>
+            </a:r>
+          </a:p>
+        </p:txBody>
+      </p:sp>
+      <p:sp>
+        <p:nvSpPr>
+          <p:cNvPr id="3" name="Espace réservé du contenu 2">
+            <a:extLst>
+              <a:ext uri="{FF2B5EF4-FFF2-40B4-BE49-F238E27FC236}">
+                <a16:creationId xmlns:a16="http://schemas.microsoft.com/office/drawing/2014/main" id="{9C3B160B-BBF4-63D9-BFE1-B055BD6AD3CE}"/>
+              </a:ext>
+            </a:extLst>
+          </p:cNvPr>
+          <p:cNvSpPr>
+            <a:spLocks noGrp="1"/>
+          </p:cNvSpPr>
+          <p:nvPr>
+            <p:ph idx="1"/>
+          </p:nvPr>
+        </p:nvSpPr>
+        <p:spPr/>
+        <p:txBody>
+          <a:bodyPr/>
+          <a:lstStyle/>
+          <a:p>
+            <a:r>
+              <a:rPr lang="fr-FR" dirty="0"/>
+              <a:t>Si vous avez besoins de plusieurs transistors</a:t>
+            </a:r>
+          </a:p>
+          <a:p>
+            <a:pPr lvl="1"/>
+            <a:r>
+              <a:rPr lang="fr-FR" dirty="0"/>
+              <a:t>Par exemple pour gérer 8 </a:t>
+            </a:r>
+            <a:r>
+              <a:rPr lang="fr-FR" dirty="0" err="1"/>
+              <a:t>leds</a:t>
+            </a:r>
+            <a:endParaRPr lang="fr-FR" dirty="0"/>
+          </a:p>
+          <a:p>
+            <a:pPr lvl="1"/>
+            <a:r>
+              <a:rPr lang="fr-FR" dirty="0"/>
+              <a:t>Des tensions &gt; 5v ou des </a:t>
+            </a:r>
+            <a:r>
+              <a:rPr lang="fr-FR" dirty="0" err="1"/>
+              <a:t>leds</a:t>
+            </a:r>
+            <a:r>
+              <a:rPr lang="fr-FR" dirty="0"/>
+              <a:t> &gt; 20mA</a:t>
+            </a:r>
+          </a:p>
+          <a:p>
+            <a:r>
+              <a:rPr lang="fr-FR" dirty="0"/>
+              <a:t>Un ULN est un ensemble de transistor NPN</a:t>
+            </a:r>
+          </a:p>
+          <a:p>
+            <a:r>
+              <a:rPr lang="fr-FR" dirty="0"/>
+              <a:t>Par exemple pour une alimentation 12V</a:t>
+            </a:r>
+          </a:p>
+          <a:p>
+            <a:pPr lvl="1"/>
+            <a:r>
+              <a:rPr lang="fr-FR" dirty="0"/>
+              <a:t>Sorties digitales sur pins 1 à 8</a:t>
+            </a:r>
+          </a:p>
+          <a:p>
+            <a:pPr lvl="1"/>
+            <a:r>
+              <a:rPr lang="fr-FR" dirty="0"/>
+              <a:t>GND sur GND</a:t>
+            </a:r>
+          </a:p>
+          <a:p>
+            <a:pPr lvl="1"/>
+            <a:r>
+              <a:rPr lang="fr-FR" dirty="0"/>
+              <a:t>12V sur pin 10</a:t>
+            </a:r>
+          </a:p>
+          <a:p>
+            <a:pPr lvl="1"/>
+            <a:r>
+              <a:rPr lang="fr-FR" dirty="0"/>
+              <a:t>5v sur 5 =&gt; LOW sur 14 (OUT5)</a:t>
+            </a:r>
+          </a:p>
+          <a:p>
+            <a:pPr lvl="1"/>
+            <a:r>
+              <a:rPr lang="fr-FR" dirty="0"/>
+              <a:t>5v sur 6 =&gt; HIGH sur 13 (OUT6)</a:t>
+            </a:r>
+          </a:p>
+          <a:p>
+            <a:pPr lvl="1"/>
+            <a:r>
+              <a:rPr lang="fr-FR" dirty="0"/>
+              <a:t>Seuil de déclenchement entre 2v et 3v</a:t>
+            </a:r>
+          </a:p>
+        </p:txBody>
+      </p:sp>
+      <p:pic>
+        <p:nvPicPr>
+          <p:cNvPr id="1026" name="Picture 2" descr="Le circuit intégré ULN 2803 : octuple driver d&amp;rsquo;amplification de puissance ON/OFF">
+            <a:extLst>
+              <a:ext uri="{FF2B5EF4-FFF2-40B4-BE49-F238E27FC236}">
+                <a16:creationId xmlns:a16="http://schemas.microsoft.com/office/drawing/2014/main" id="{4C2B5834-F64B-6D7C-35A8-51FE59B14AD8}"/>
+              </a:ext>
+            </a:extLst>
+          </p:cNvPr>
+          <p:cNvPicPr>
+            <a:picLocks noChangeAspect="1" noChangeArrowheads="1"/>
+          </p:cNvPicPr>
+          <p:nvPr/>
+        </p:nvPicPr>
+        <p:blipFill>
+          <a:blip r:embed="rId2">
+            <a:extLst>
+              <a:ext uri="{28A0092B-C50C-407E-A947-70E740481C1C}">
+                <a14:useLocalDpi xmlns:a14="http://schemas.microsoft.com/office/drawing/2010/main" val="0"/>
+              </a:ext>
+            </a:extLst>
+          </a:blip>
+          <a:srcRect/>
+          <a:stretch>
+            <a:fillRect/>
+          </a:stretch>
+        </p:blipFill>
+        <p:spPr bwMode="auto">
+          <a:xfrm>
+            <a:off x="6610589" y="3782193"/>
+            <a:ext cx="2534022" cy="3013950"/>
+          </a:xfrm>
+          <a:prstGeom prst="rect">
+            <a:avLst/>
+          </a:prstGeom>
+          <a:noFill/>
+          <a:extLst>
+            <a:ext uri="{909E8E84-426E-40DD-AFC4-6F175D3DCCD1}">
+              <a14:hiddenFill xmlns:a14="http://schemas.microsoft.com/office/drawing/2010/main">
+                <a:solidFill>
+                  <a:srgbClr val="FFFFFF"/>
+                </a:solidFill>
+              </a14:hiddenFill>
+            </a:ext>
+          </a:extLst>
+        </p:spPr>
+      </p:pic>
+      <p:pic>
+        <p:nvPicPr>
+          <p:cNvPr id="8" name="Image 7">
+            <a:extLst>
+              <a:ext uri="{FF2B5EF4-FFF2-40B4-BE49-F238E27FC236}">
+                <a16:creationId xmlns:a16="http://schemas.microsoft.com/office/drawing/2014/main" id="{5FE58307-A2C6-B421-1B5B-D9D26F43B76C}"/>
+              </a:ext>
+            </a:extLst>
+          </p:cNvPr>
+          <p:cNvPicPr>
+            <a:picLocks noChangeAspect="1"/>
+          </p:cNvPicPr>
+          <p:nvPr/>
+        </p:nvPicPr>
+        <p:blipFill>
+          <a:blip r:embed="rId3"/>
+          <a:stretch>
+            <a:fillRect/>
+          </a:stretch>
+        </p:blipFill>
+        <p:spPr>
+          <a:xfrm>
+            <a:off x="6588224" y="61857"/>
+            <a:ext cx="1819529" cy="1333686"/>
+          </a:xfrm>
+          <a:prstGeom prst="rect">
+            <a:avLst/>
+          </a:prstGeom>
+        </p:spPr>
+      </p:pic>
+    </p:spTree>
+    <p:extLst>
+      <p:ext uri="{BB962C8B-B14F-4D97-AF65-F5344CB8AC3E}">
+        <p14:creationId xmlns:p14="http://schemas.microsoft.com/office/powerpoint/2010/main" val="3129731323"/>
+      </p:ext>
+    </p:extLst>
+  </p:cSld>
+  <p:clrMapOvr>
+    <a:masterClrMapping/>
+  </p:clrMapOvr>
+</p:sld>
+</file>
+
+<file path=ppt/slides/slide5.xml><?xml version="1.0" encoding="utf-8"?>
+<p:sld xmlns:a="http://schemas.openxmlformats.org/drawingml/2006/main" xmlns:r="http://schemas.openxmlformats.org/officeDocument/2006/relationships" xmlns:p="http://schemas.openxmlformats.org/presentationml/2006/main">
+  <p:cSld>
+    <p:spTree>
+      <p:nvGrpSpPr>
+        <p:cNvPr id="1" name=""/>
+        <p:cNvGrpSpPr/>
+        <p:nvPr/>
+      </p:nvGrpSpPr>
+      <p:grpSpPr>
+        <a:xfrm>
+          <a:off x="0" y="0"/>
+          <a:ext cx="0" cy="0"/>
+          <a:chOff x="0" y="0"/>
+          <a:chExt cx="0" cy="0"/>
+        </a:xfrm>
+      </p:grpSpPr>
+      <p:sp>
+        <p:nvSpPr>
+          <p:cNvPr id="2" name="Titre 1">
+            <a:extLst>
+              <a:ext uri="{FF2B5EF4-FFF2-40B4-BE49-F238E27FC236}">
+                <a16:creationId xmlns:a16="http://schemas.microsoft.com/office/drawing/2014/main" id="{D99BDC3A-6B9C-4402-1297-8B15946E6810}"/>
+              </a:ext>
+            </a:extLst>
+          </p:cNvPr>
+          <p:cNvSpPr>
+            <a:spLocks noGrp="1"/>
+          </p:cNvSpPr>
+          <p:nvPr>
+            <p:ph type="title"/>
+          </p:nvPr>
+        </p:nvSpPr>
+        <p:spPr/>
+        <p:txBody>
+          <a:bodyPr/>
+          <a:lstStyle/>
+          <a:p>
+            <a:r>
+              <a:rPr lang="fr-FR" dirty="0"/>
+              <a:t>Relais de puissance</a:t>
+            </a:r>
+          </a:p>
+        </p:txBody>
+      </p:sp>
+      <p:sp>
+        <p:nvSpPr>
+          <p:cNvPr id="3" name="Espace réservé du contenu 2">
+            <a:extLst>
+              <a:ext uri="{FF2B5EF4-FFF2-40B4-BE49-F238E27FC236}">
+                <a16:creationId xmlns:a16="http://schemas.microsoft.com/office/drawing/2014/main" id="{CA3616AA-144A-FE5F-67FF-E001F3132766}"/>
+              </a:ext>
+            </a:extLst>
+          </p:cNvPr>
+          <p:cNvSpPr>
+            <a:spLocks noGrp="1"/>
+          </p:cNvSpPr>
+          <p:nvPr>
+            <p:ph idx="1"/>
+          </p:nvPr>
+        </p:nvSpPr>
+        <p:spPr/>
+        <p:txBody>
+          <a:bodyPr/>
+          <a:lstStyle/>
+          <a:p>
+            <a:r>
+              <a:rPr lang="fr-FR" dirty="0"/>
+              <a:t>Les </a:t>
+            </a:r>
+            <a:r>
+              <a:rPr lang="fr-FR" dirty="0" err="1"/>
+              <a:t>micro-contrôleurs</a:t>
+            </a:r>
+            <a:r>
+              <a:rPr lang="fr-FR" dirty="0"/>
+              <a:t> ne peuvent pas gérer &gt; 5v</a:t>
+            </a:r>
+          </a:p>
+          <a:p>
+            <a:r>
+              <a:rPr lang="fr-FR" dirty="0"/>
+              <a:t>Pour le 220v il faut un relais de puissance</a:t>
+            </a:r>
+          </a:p>
+          <a:p>
+            <a:pPr lvl="1"/>
+            <a:r>
+              <a:rPr lang="fr-FR" dirty="0"/>
+              <a:t>Fonctionnement simple en digital</a:t>
+            </a:r>
+          </a:p>
+          <a:p>
+            <a:pPr lvl="1"/>
+            <a:r>
+              <a:rPr lang="fr-FR" dirty="0"/>
+              <a:t>Nécessite du 5v</a:t>
+            </a:r>
+          </a:p>
+          <a:p>
+            <a:endParaRPr lang="fr-FR" dirty="0"/>
+          </a:p>
+        </p:txBody>
+      </p:sp>
+      <p:pic>
+        <p:nvPicPr>
+          <p:cNvPr id="5" name="Image 4">
+            <a:extLst>
+              <a:ext uri="{FF2B5EF4-FFF2-40B4-BE49-F238E27FC236}">
+                <a16:creationId xmlns:a16="http://schemas.microsoft.com/office/drawing/2014/main" id="{68D2EB2C-5381-9A8B-8CA6-B23C9766961E}"/>
+              </a:ext>
+            </a:extLst>
+          </p:cNvPr>
+          <p:cNvPicPr>
+            <a:picLocks noChangeAspect="1"/>
+          </p:cNvPicPr>
+          <p:nvPr/>
+        </p:nvPicPr>
+        <p:blipFill>
+          <a:blip r:embed="rId2"/>
+          <a:stretch>
+            <a:fillRect/>
+          </a:stretch>
+        </p:blipFill>
+        <p:spPr>
+          <a:xfrm rot="5400000">
+            <a:off x="2904085" y="2152541"/>
+            <a:ext cx="3415789" cy="5968709"/>
+          </a:xfrm>
+          <a:prstGeom prst="rect">
+            <a:avLst/>
+          </a:prstGeom>
+        </p:spPr>
+      </p:pic>
+    </p:spTree>
+    <p:extLst>
+      <p:ext uri="{BB962C8B-B14F-4D97-AF65-F5344CB8AC3E}">
+        <p14:creationId xmlns:p14="http://schemas.microsoft.com/office/powerpoint/2010/main" val="700511113"/>
+      </p:ext>
+    </p:extLst>
+  </p:cSld>
+  <p:clrMapOvr>
+    <a:masterClrMapping/>
+  </p:clrMapOvr>
+</p:sld>
+</file>
+
+<file path=ppt/slides/slide6.xml><?xml version="1.0" encoding="utf-8"?>
+<p:sld xmlns:a="http://schemas.openxmlformats.org/drawingml/2006/main" xmlns:r="http://schemas.openxmlformats.org/officeDocument/2006/relationships" xmlns:p="http://schemas.openxmlformats.org/presentationml/2006/main">
+  <p:cSld>
+    <p:spTree>
+      <p:nvGrpSpPr>
+        <p:cNvPr id="1" name=""/>
+        <p:cNvGrpSpPr/>
+        <p:nvPr/>
+      </p:nvGrpSpPr>
+      <p:grpSpPr>
+        <a:xfrm>
+          <a:off x="0" y="0"/>
+          <a:ext cx="0" cy="0"/>
+          <a:chOff x="0" y="0"/>
+          <a:chExt cx="0" cy="0"/>
+        </a:xfrm>
+      </p:grpSpPr>
+      <p:sp>
+        <p:nvSpPr>
+          <p:cNvPr id="2" name="Titre 1">
+            <a:extLst>
+              <a:ext uri="{FF2B5EF4-FFF2-40B4-BE49-F238E27FC236}">
+                <a16:creationId xmlns:a16="http://schemas.microsoft.com/office/drawing/2014/main" id="{E6B82FAE-C885-3271-86AC-8842DF6FFDEA}"/>
+              </a:ext>
+            </a:extLst>
+          </p:cNvPr>
+          <p:cNvSpPr>
+            <a:spLocks noGrp="1"/>
+          </p:cNvSpPr>
+          <p:nvPr>
+            <p:ph type="title"/>
+          </p:nvPr>
+        </p:nvSpPr>
+        <p:spPr/>
+        <p:txBody>
+          <a:bodyPr/>
+          <a:lstStyle/>
+          <a:p>
+            <a:r>
+              <a:rPr lang="fr-FR" dirty="0"/>
+              <a:t>Emulation</a:t>
+            </a:r>
+          </a:p>
+        </p:txBody>
+      </p:sp>
+      <p:sp>
+        <p:nvSpPr>
+          <p:cNvPr id="3" name="Espace réservé du contenu 2">
+            <a:extLst>
+              <a:ext uri="{FF2B5EF4-FFF2-40B4-BE49-F238E27FC236}">
+                <a16:creationId xmlns:a16="http://schemas.microsoft.com/office/drawing/2014/main" id="{1C3B796A-0BDB-E123-969D-F9FE9027E020}"/>
+              </a:ext>
+            </a:extLst>
+          </p:cNvPr>
+          <p:cNvSpPr>
+            <a:spLocks noGrp="1"/>
+          </p:cNvSpPr>
+          <p:nvPr>
+            <p:ph idx="1"/>
+          </p:nvPr>
+        </p:nvSpPr>
+        <p:spPr/>
+        <p:txBody>
+          <a:bodyPr/>
+          <a:lstStyle/>
+          <a:p>
+            <a:r>
+              <a:rPr lang="fr-FR" dirty="0"/>
+              <a:t>Certains processeurs 8 bits ne sont plus fabriqués</a:t>
+            </a:r>
+          </a:p>
+          <a:p>
+            <a:r>
+              <a:rPr lang="fr-FR" dirty="0"/>
+              <a:t>Emulation totale par microcontrôleur</a:t>
+            </a:r>
+          </a:p>
+          <a:p>
+            <a:pPr lvl="1"/>
+            <a:r>
+              <a:rPr lang="fr-FR" dirty="0"/>
+              <a:t>C'est plus qu'une émulation</a:t>
+            </a:r>
+          </a:p>
+          <a:p>
+            <a:pPr lvl="1"/>
+            <a:r>
+              <a:rPr lang="fr-FR" dirty="0"/>
+              <a:t>Les circuits TTL sont entièrement reprogrammés en C</a:t>
+            </a:r>
+          </a:p>
+          <a:p>
+            <a:pPr lvl="1"/>
+            <a:r>
+              <a:rPr lang="fr-FR" dirty="0"/>
+              <a:t>Rapide et fiable</a:t>
+            </a:r>
+          </a:p>
+          <a:p>
+            <a:pPr lvl="1"/>
+            <a:r>
+              <a:rPr lang="fr-FR" dirty="0"/>
+              <a:t>Z80, Intel 8080, MOS 6502, …</a:t>
+            </a:r>
+          </a:p>
+        </p:txBody>
+      </p:sp>
+      <p:pic>
+        <p:nvPicPr>
+          <p:cNvPr id="5" name="Image 4">
+            <a:extLst>
+              <a:ext uri="{FF2B5EF4-FFF2-40B4-BE49-F238E27FC236}">
+                <a16:creationId xmlns:a16="http://schemas.microsoft.com/office/drawing/2014/main" id="{7E3241C6-831D-FCA8-4B11-F71ECA20262F}"/>
+              </a:ext>
+            </a:extLst>
+          </p:cNvPr>
+          <p:cNvPicPr>
+            <a:picLocks noChangeAspect="1"/>
+          </p:cNvPicPr>
+          <p:nvPr/>
+        </p:nvPicPr>
+        <p:blipFill>
+          <a:blip r:embed="rId2"/>
+          <a:stretch>
+            <a:fillRect/>
+          </a:stretch>
+        </p:blipFill>
+        <p:spPr>
+          <a:xfrm>
+            <a:off x="2483768" y="4146917"/>
+            <a:ext cx="4591977" cy="2711083"/>
+          </a:xfrm>
+          <a:prstGeom prst="rect">
+            <a:avLst/>
+          </a:prstGeom>
+        </p:spPr>
+      </p:pic>
+    </p:spTree>
+    <p:extLst>
+      <p:ext uri="{BB962C8B-B14F-4D97-AF65-F5344CB8AC3E}">
+        <p14:creationId xmlns:p14="http://schemas.microsoft.com/office/powerpoint/2010/main" val="2927656392"/>
       </p:ext>
     </p:extLst>
   </p:cSld>
